--- a/Seminar_03.pptx
+++ b/Seminar_03.pptx
@@ -44,7 +44,7 @@
   <p:notesSz cx="6858000" cy="9144000"/>
   <p:embeddedFontLst>
     <p:embeddedFont>
-      <p:font typeface="IBM Plex Sans" panose="020B0604020202020204" charset="0"/>
+      <p:font typeface="IBM Plex Sans SemiBold" panose="020B0604020202020204" charset="0"/>
       <p:regular r:id="rId34"/>
       <p:bold r:id="rId35"/>
       <p:italic r:id="rId36"/>
@@ -58,7 +58,7 @@
       <p:boldItalic r:id="rId41"/>
     </p:embeddedFont>
     <p:embeddedFont>
-      <p:font typeface="IBM Plex Sans SemiBold" panose="020B0604020202020204" charset="0"/>
+      <p:font typeface="IBM Plex Sans" panose="020B0604020202020204" charset="0"/>
       <p:regular r:id="rId42"/>
       <p:bold r:id="rId43"/>
       <p:italic r:id="rId44"/>
@@ -967,8 +967,8 @@
         </p:nvSpPr>
         <p:spPr>
           <a:xfrm>
-            <a:off x="381300" y="685800"/>
-            <a:ext cx="6096075" cy="3429000"/>
+            <a:off x="381000" y="685800"/>
+            <a:ext cx="6096000" cy="3429000"/>
           </a:xfrm>
           <a:custGeom>
             <a:avLst/>
@@ -2359,7 +2359,7 @@
         </p:nvSpPr>
         <p:spPr>
           <a:xfrm>
-            <a:off x="381300" y="685800"/>
+            <a:off x="381000" y="685800"/>
             <a:ext cx="6096000" cy="3429000"/>
           </a:xfrm>
           <a:custGeom>
@@ -2562,7 +2562,7 @@
         </p:nvSpPr>
         <p:spPr>
           <a:xfrm>
-            <a:off x="381300" y="685800"/>
+            <a:off x="381000" y="685800"/>
             <a:ext cx="6096000" cy="3429000"/>
           </a:xfrm>
           <a:custGeom>
@@ -2684,7 +2684,7 @@
         </p:nvSpPr>
         <p:spPr>
           <a:xfrm>
-            <a:off x="381300" y="685800"/>
+            <a:off x="381000" y="685800"/>
             <a:ext cx="6096000" cy="3429000"/>
           </a:xfrm>
           <a:custGeom>
@@ -2962,7 +2962,7 @@
         </p:nvSpPr>
         <p:spPr>
           <a:xfrm>
-            <a:off x="381300" y="685800"/>
+            <a:off x="381000" y="685800"/>
             <a:ext cx="6096000" cy="3429000"/>
           </a:xfrm>
           <a:custGeom>
@@ -3084,7 +3084,7 @@
         </p:nvSpPr>
         <p:spPr>
           <a:xfrm>
-            <a:off x="381300" y="685800"/>
+            <a:off x="381000" y="685800"/>
             <a:ext cx="6096000" cy="3429000"/>
           </a:xfrm>
           <a:custGeom>
@@ -3206,7 +3206,7 @@
         </p:nvSpPr>
         <p:spPr>
           <a:xfrm>
-            <a:off x="381300" y="685800"/>
+            <a:off x="381000" y="685800"/>
             <a:ext cx="6096000" cy="3429000"/>
           </a:xfrm>
           <a:custGeom>
@@ -3328,7 +3328,7 @@
         </p:nvSpPr>
         <p:spPr>
           <a:xfrm>
-            <a:off x="381300" y="685800"/>
+            <a:off x="381000" y="685800"/>
             <a:ext cx="6096000" cy="3429000"/>
           </a:xfrm>
           <a:custGeom>
@@ -3816,7 +3816,7 @@
         </p:nvSpPr>
         <p:spPr>
           <a:xfrm>
-            <a:off x="381300" y="685800"/>
+            <a:off x="381000" y="685800"/>
             <a:ext cx="6096000" cy="3429000"/>
           </a:xfrm>
           <a:custGeom>
@@ -4046,7 +4046,7 @@
         </p:nvSpPr>
         <p:spPr>
           <a:xfrm>
-            <a:off x="381300" y="685800"/>
+            <a:off x="381000" y="685800"/>
             <a:ext cx="6096000" cy="3429000"/>
           </a:xfrm>
           <a:custGeom>
@@ -4246,7 +4246,7 @@
         </p:nvSpPr>
         <p:spPr>
           <a:xfrm>
-            <a:off x="381300" y="685800"/>
+            <a:off x="381000" y="685800"/>
             <a:ext cx="6096000" cy="3429000"/>
           </a:xfrm>
           <a:custGeom>
@@ -24216,7 +24216,7 @@
         </p:nvSpPr>
         <p:spPr>
           <a:xfrm>
-            <a:off x="1183821" y="393500"/>
+            <a:off x="1059996" y="301425"/>
             <a:ext cx="4572000" cy="4893647"/>
           </a:xfrm>
           <a:prstGeom prst="rect">
